--- a/BEC Hall.pptx
+++ b/BEC Hall.pptx
@@ -18,14 +18,16 @@
     <p:sldId id="267" r:id="rId12"/>
     <p:sldId id="268" r:id="rId13"/>
     <p:sldId id="269" r:id="rId14"/>
-    <p:sldId id="281" r:id="rId15"/>
-    <p:sldId id="280" r:id="rId16"/>
-    <p:sldId id="275" r:id="rId17"/>
-    <p:sldId id="278" r:id="rId18"/>
-    <p:sldId id="279" r:id="rId19"/>
-    <p:sldId id="270" r:id="rId20"/>
-    <p:sldId id="271" r:id="rId21"/>
-    <p:sldId id="274" r:id="rId22"/>
+    <p:sldId id="283" r:id="rId15"/>
+    <p:sldId id="282" r:id="rId16"/>
+    <p:sldId id="281" r:id="rId17"/>
+    <p:sldId id="280" r:id="rId18"/>
+    <p:sldId id="275" r:id="rId19"/>
+    <p:sldId id="278" r:id="rId20"/>
+    <p:sldId id="279" r:id="rId21"/>
+    <p:sldId id="270" r:id="rId22"/>
+    <p:sldId id="271" r:id="rId23"/>
+    <p:sldId id="274" r:id="rId24"/>
   </p:sldIdLst>
   <p:sldSz cx="9144000" cy="6858000" type="screen4x3"/>
   <p:notesSz cx="6858000" cy="9144000"/>
@@ -271,7 +273,7 @@
             <a:fld id="{1D8BD707-D9CF-40AE-B4C6-C98DA3205C09}" type="datetimeFigureOut">
               <a:rPr lang="en-US" smtClean="0"/>
               <a:pPr/>
-              <a:t>4/12/2022</a:t>
+              <a:t>4/13/2022</a:t>
             </a:fld>
             <a:endParaRPr lang="en-US"/>
           </a:p>
@@ -632,7 +634,7 @@
             <a:fld id="{1D8BD707-D9CF-40AE-B4C6-C98DA3205C09}" type="datetimeFigureOut">
               <a:rPr lang="en-US" smtClean="0"/>
               <a:pPr/>
-              <a:t>4/12/2022</a:t>
+              <a:t>4/13/2022</a:t>
             </a:fld>
             <a:endParaRPr lang="en-US"/>
           </a:p>
@@ -809,7 +811,7 @@
             <a:fld id="{1D8BD707-D9CF-40AE-B4C6-C98DA3205C09}" type="datetimeFigureOut">
               <a:rPr lang="en-US" smtClean="0"/>
               <a:pPr/>
-              <a:t>4/12/2022</a:t>
+              <a:t>4/13/2022</a:t>
             </a:fld>
             <a:endParaRPr lang="en-US"/>
           </a:p>
@@ -1046,7 +1048,7 @@
             <a:fld id="{1D8BD707-D9CF-40AE-B4C6-C98DA3205C09}" type="datetimeFigureOut">
               <a:rPr lang="en-US" smtClean="0"/>
               <a:pPr/>
-              <a:t>4/12/2022</a:t>
+              <a:t>4/13/2022</a:t>
             </a:fld>
             <a:endParaRPr lang="en-US"/>
           </a:p>
@@ -1317,7 +1319,7 @@
             <a:fld id="{1D8BD707-D9CF-40AE-B4C6-C98DA3205C09}" type="datetimeFigureOut">
               <a:rPr lang="en-US" smtClean="0"/>
               <a:pPr/>
-              <a:t>4/12/2022</a:t>
+              <a:t>4/13/2022</a:t>
             </a:fld>
             <a:endParaRPr lang="en-US"/>
           </a:p>
@@ -1539,7 +1541,7 @@
             <a:fld id="{1D8BD707-D9CF-40AE-B4C6-C98DA3205C09}" type="datetimeFigureOut">
               <a:rPr lang="en-US" smtClean="0"/>
               <a:pPr/>
-              <a:t>4/12/2022</a:t>
+              <a:t>4/13/2022</a:t>
             </a:fld>
             <a:endParaRPr lang="en-US"/>
           </a:p>
@@ -1893,7 +1895,7 @@
             <a:fld id="{1D8BD707-D9CF-40AE-B4C6-C98DA3205C09}" type="datetimeFigureOut">
               <a:rPr lang="en-US" smtClean="0"/>
               <a:pPr/>
-              <a:t>4/12/2022</a:t>
+              <a:t>4/13/2022</a:t>
             </a:fld>
             <a:endParaRPr lang="en-US"/>
           </a:p>
@@ -2127,7 +2129,7 @@
             <a:fld id="{1D8BD707-D9CF-40AE-B4C6-C98DA3205C09}" type="datetimeFigureOut">
               <a:rPr lang="en-US" smtClean="0"/>
               <a:pPr/>
-              <a:t>4/12/2022</a:t>
+              <a:t>4/13/2022</a:t>
             </a:fld>
             <a:endParaRPr lang="en-US"/>
           </a:p>
@@ -2269,7 +2271,7 @@
             <a:fld id="{1D8BD707-D9CF-40AE-B4C6-C98DA3205C09}" type="datetimeFigureOut">
               <a:rPr lang="en-US" smtClean="0"/>
               <a:pPr/>
-              <a:t>4/12/2022</a:t>
+              <a:t>4/13/2022</a:t>
             </a:fld>
             <a:endParaRPr lang="en-US"/>
           </a:p>
@@ -2548,7 +2550,7 @@
             <a:fld id="{1D8BD707-D9CF-40AE-B4C6-C98DA3205C09}" type="datetimeFigureOut">
               <a:rPr lang="en-US" smtClean="0"/>
               <a:pPr/>
-              <a:t>4/12/2022</a:t>
+              <a:t>4/13/2022</a:t>
             </a:fld>
             <a:endParaRPr lang="en-US"/>
           </a:p>
@@ -2957,7 +2959,7 @@
             <a:fld id="{1D8BD707-D9CF-40AE-B4C6-C98DA3205C09}" type="datetimeFigureOut">
               <a:rPr lang="en-US" smtClean="0"/>
               <a:pPr/>
-              <a:t>4/12/2022</a:t>
+              <a:t>4/13/2022</a:t>
             </a:fld>
             <a:endParaRPr lang="en-US"/>
           </a:p>
@@ -3297,7 +3299,7 @@
             <a:fld id="{1D8BD707-D9CF-40AE-B4C6-C98DA3205C09}" type="datetimeFigureOut">
               <a:rPr lang="en-US" smtClean="0"/>
               <a:pPr/>
-              <a:t>4/12/2022</a:t>
+              <a:t>4/13/2022</a:t>
             </a:fld>
             <a:endParaRPr lang="en-US"/>
           </a:p>
@@ -4371,7 +4373,7 @@
       </p:sp>
       <p:pic>
         <p:nvPicPr>
-          <p:cNvPr id="6146" name="Picture 2" descr="C:\Users\Dhrubo\Pictures\Screenshots\Screenshot (51).png"/>
+          <p:cNvPr id="1028" name="Picture 4" descr="C:\Users\Dhrubo\Pictures\Screenshots\Screenshot (59).png"/>
           <p:cNvPicPr>
             <a:picLocks noChangeAspect="1" noChangeArrowheads="1"/>
           </p:cNvPicPr>
@@ -4386,8 +4388,8 @@
         </p:blipFill>
         <p:spPr bwMode="auto">
           <a:xfrm>
-            <a:off x="914400" y="1295400"/>
-            <a:ext cx="7589837" cy="3505200"/>
+            <a:off x="381000" y="1371600"/>
+            <a:ext cx="8048625" cy="3657601"/>
           </a:xfrm>
           <a:prstGeom prst="rect">
             <a:avLst/>
@@ -4477,7 +4479,7 @@
         </p:spPr>
         <p:txBody>
           <a:bodyPr vert="horz" anchor="b" anchorCtr="0">
-            <a:normAutofit fontScale="77500" lnSpcReduction="20000"/>
+            <a:normAutofit/>
           </a:bodyPr>
           <a:lstStyle/>
           <a:p>
@@ -4513,24 +4515,7 @@
                 <a:ea typeface="+mj-ea"/>
                 <a:cs typeface="+mj-cs"/>
               </a:rPr>
-              <a:t>This QR</a:t>
-            </a:r>
-            <a:r>
-              <a:rPr kumimoji="0" lang="en-US" sz="3200" b="0" i="0" u="none" strike="noStrike" kern="1200" cap="none" spc="0" normalizeH="0" noProof="0" dirty="0" smtClean="0">
-                <a:ln>
-                  <a:noFill/>
-                </a:ln>
-                <a:solidFill>
-                  <a:schemeClr val="tx2"/>
-                </a:solidFill>
-                <a:effectLst/>
-                <a:uLnTx/>
-                <a:uFillTx/>
-                <a:latin typeface="+mj-lt"/>
-                <a:ea typeface="+mj-ea"/>
-                <a:cs typeface="+mj-cs"/>
-              </a:rPr>
-              <a:t> code will be auto generated And Printed to the invoice so that the user can verify the payment</a:t>
+              <a:t>Real Invoice</a:t>
             </a:r>
             <a:endParaRPr kumimoji="0" lang="en-US" sz="3200" b="0" i="0" u="none" strike="noStrike" kern="1200" cap="none" spc="0" normalizeH="0" baseline="0" noProof="0" dirty="0">
               <a:ln>
@@ -4551,7 +4536,7 @@
       </p:sp>
       <p:pic>
         <p:nvPicPr>
-          <p:cNvPr id="6146" name="Picture 2" descr="C:\Users\Dhrubo\Pictures\Screenshots\Screenshot (51).png"/>
+          <p:cNvPr id="2050" name="Picture 2" descr="C:\Users\Dhrubo\Pictures\Screenshots\Screenshot (59).png"/>
           <p:cNvPicPr>
             <a:picLocks noChangeAspect="1" noChangeArrowheads="1"/>
           </p:cNvPicPr>
@@ -4559,15 +4544,15 @@
         </p:nvPicPr>
         <p:blipFill>
           <a:blip r:embed="rId2"/>
-          <a:srcRect l="66262" t="34426" b="36066"/>
+          <a:srcRect/>
           <a:stretch>
             <a:fillRect/>
           </a:stretch>
         </p:blipFill>
         <p:spPr bwMode="auto">
           <a:xfrm>
-            <a:off x="1828800" y="1676400"/>
-            <a:ext cx="5548047" cy="2971800"/>
+            <a:off x="990600" y="228600"/>
+            <a:ext cx="6705600" cy="4807789"/>
           </a:xfrm>
           <a:prstGeom prst="rect">
             <a:avLst/>
@@ -4580,6 +4565,9 @@
   <p:clrMapOvr>
     <a:masterClrMapping/>
   </p:clrMapOvr>
+  <p:transition spd="med">
+    <p:wipe dir="r"/>
+  </p:transition>
   <p:timing>
     <p:tnLst>
       <p:par>
@@ -4609,38 +4597,113 @@
       </p:grpSpPr>
       <p:sp>
         <p:nvSpPr>
-          <p:cNvPr id="2" name="Title 1"/>
-          <p:cNvSpPr>
-            <a:spLocks noGrp="1"/>
-          </p:cNvSpPr>
-          <p:nvPr>
-            <p:ph type="title"/>
-          </p:nvPr>
+          <p:cNvPr id="5" name="Title 1"/>
+          <p:cNvSpPr txBox="1">
+            <a:spLocks/>
+          </p:cNvSpPr>
+          <p:nvPr/>
         </p:nvSpPr>
         <p:spPr>
           <a:xfrm>
-            <a:off x="533400" y="2667000"/>
+            <a:off x="457200" y="5257800"/>
             <a:ext cx="8229600" cy="914400"/>
           </a:xfrm>
-        </p:spPr>
-        <p:txBody>
-          <a:bodyPr/>
-          <a:lstStyle/>
-          <a:p>
-            <a:pPr algn="ctr"/>
-            <a:r>
-              <a:rPr lang="en-US" dirty="0" smtClean="0"/>
-              <a:t>User Dashboard Overview</a:t>
-            </a:r>
-            <a:endParaRPr lang="en-US" dirty="0"/>
-          </a:p>
-        </p:txBody>
-      </p:sp>
+          <a:prstGeom prst="rect">
+            <a:avLst/>
+          </a:prstGeom>
+        </p:spPr>
+        <p:txBody>
+          <a:bodyPr vert="horz" anchor="b" anchorCtr="0">
+            <a:normAutofit/>
+          </a:bodyPr>
+          <a:lstStyle/>
+          <a:p>
+            <a:pPr marL="0" marR="0" lvl="0" indent="0" algn="l" defTabSz="914400" rtl="0" eaLnBrk="1" fontAlgn="auto" latinLnBrk="0" hangingPunct="1">
+              <a:lnSpc>
+                <a:spcPct val="100000"/>
+              </a:lnSpc>
+              <a:spcBef>
+                <a:spcPct val="0"/>
+              </a:spcBef>
+              <a:spcAft>
+                <a:spcPts val="0"/>
+              </a:spcAft>
+              <a:buClrTx/>
+              <a:buSzTx/>
+              <a:buFontTx/>
+              <a:buNone/>
+              <a:tabLst/>
+              <a:defRPr/>
+            </a:pPr>
+            <a:r>
+              <a:rPr lang="en-US" sz="3200" dirty="0" smtClean="0">
+                <a:solidFill>
+                  <a:srgbClr val="FF0000"/>
+                </a:solidFill>
+                <a:latin typeface="+mj-lt"/>
+                <a:ea typeface="+mj-ea"/>
+                <a:cs typeface="+mj-cs"/>
+              </a:rPr>
+              <a:t>Fake Invoice</a:t>
+            </a:r>
+            <a:endParaRPr kumimoji="0" lang="en-US" sz="3200" b="0" i="0" u="none" strike="noStrike" kern="1200" cap="none" spc="0" normalizeH="0" baseline="0" noProof="0" dirty="0">
+              <a:ln>
+                <a:noFill/>
+              </a:ln>
+              <a:solidFill>
+                <a:srgbClr val="FF0000"/>
+              </a:solidFill>
+              <a:effectLst/>
+              <a:uLnTx/>
+              <a:uFillTx/>
+              <a:latin typeface="+mj-lt"/>
+              <a:ea typeface="+mj-ea"/>
+              <a:cs typeface="+mj-cs"/>
+            </a:endParaRPr>
+          </a:p>
+        </p:txBody>
+      </p:sp>
+      <p:pic>
+        <p:nvPicPr>
+          <p:cNvPr id="2051" name="Picture 3" descr="C:\Users\Dhrubo\Pictures\Screenshots\Screenshot (60).png"/>
+          <p:cNvPicPr>
+            <a:picLocks noChangeAspect="1" noChangeArrowheads="1"/>
+          </p:cNvPicPr>
+          <p:nvPr/>
+        </p:nvPicPr>
+        <p:blipFill>
+          <a:blip r:embed="rId2"/>
+          <a:srcRect/>
+          <a:stretch>
+            <a:fillRect/>
+          </a:stretch>
+        </p:blipFill>
+        <p:spPr bwMode="auto">
+          <a:xfrm>
+            <a:off x="1066800" y="457200"/>
+            <a:ext cx="6858000" cy="4671089"/>
+          </a:xfrm>
+          <a:prstGeom prst="rect">
+            <a:avLst/>
+          </a:prstGeom>
+          <a:noFill/>
+        </p:spPr>
+      </p:pic>
     </p:spTree>
   </p:cSld>
   <p:clrMapOvr>
     <a:masterClrMapping/>
   </p:clrMapOvr>
+  <p:transition spd="med">
+    <p:fade thruBlk="1"/>
+  </p:transition>
+  <p:timing>
+    <p:tnLst>
+      <p:par>
+        <p:cTn id="1" dur="indefinite" restart="never" nodeType="tmRoot"/>
+      </p:par>
+    </p:tnLst>
+  </p:timing>
 </p:sld>
 </file>
 
@@ -4673,20 +4736,116 @@
         </p:nvSpPr>
         <p:spPr/>
         <p:txBody>
-          <a:bodyPr/>
-          <a:lstStyle/>
-          <a:p>
+          <a:bodyPr>
+            <a:normAutofit/>
+          </a:bodyPr>
+          <a:lstStyle/>
+          <a:p>
+            <a:pPr lvl="0">
+              <a:defRPr/>
+            </a:pPr>
             <a:r>
               <a:rPr lang="en-US" dirty="0" smtClean="0"/>
-              <a:t>Login Panel</a:t>
+              <a:t>QR Code System</a:t>
             </a:r>
             <a:endParaRPr lang="en-US" dirty="0"/>
+          </a:p>
+        </p:txBody>
+      </p:sp>
+      <p:sp>
+        <p:nvSpPr>
+          <p:cNvPr id="5" name="Title 1"/>
+          <p:cNvSpPr txBox="1">
+            <a:spLocks/>
+          </p:cNvSpPr>
+          <p:nvPr/>
+        </p:nvSpPr>
+        <p:spPr>
+          <a:xfrm>
+            <a:off x="457200" y="5257800"/>
+            <a:ext cx="8229600" cy="914400"/>
+          </a:xfrm>
+          <a:prstGeom prst="rect">
+            <a:avLst/>
+          </a:prstGeom>
+        </p:spPr>
+        <p:txBody>
+          <a:bodyPr vert="horz" anchor="b" anchorCtr="0">
+            <a:normAutofit fontScale="77500" lnSpcReduction="20000"/>
+          </a:bodyPr>
+          <a:lstStyle/>
+          <a:p>
+            <a:pPr marL="0" marR="0" lvl="0" indent="0" algn="l" defTabSz="914400" rtl="0" eaLnBrk="1" fontAlgn="auto" latinLnBrk="0" hangingPunct="1">
+              <a:lnSpc>
+                <a:spcPct val="100000"/>
+              </a:lnSpc>
+              <a:spcBef>
+                <a:spcPct val="0"/>
+              </a:spcBef>
+              <a:spcAft>
+                <a:spcPts val="0"/>
+              </a:spcAft>
+              <a:buClrTx/>
+              <a:buSzTx/>
+              <a:buFontTx/>
+              <a:buNone/>
+              <a:tabLst/>
+              <a:defRPr/>
+            </a:pPr>
+            <a:r>
+              <a:rPr kumimoji="0" lang="en-US" sz="3200" b="0" i="0" u="none" strike="noStrike" kern="1200" cap="none" spc="0" normalizeH="0" baseline="0" noProof="0" dirty="0" smtClean="0">
+                <a:ln>
+                  <a:noFill/>
+                </a:ln>
+                <a:solidFill>
+                  <a:schemeClr val="tx2"/>
+                </a:solidFill>
+                <a:effectLst/>
+                <a:uLnTx/>
+                <a:uFillTx/>
+                <a:latin typeface="+mj-lt"/>
+                <a:ea typeface="+mj-ea"/>
+                <a:cs typeface="+mj-cs"/>
+              </a:rPr>
+              <a:t>This QR</a:t>
+            </a:r>
+            <a:r>
+              <a:rPr kumimoji="0" lang="en-US" sz="3200" b="0" i="0" u="none" strike="noStrike" kern="1200" cap="none" spc="0" normalizeH="0" noProof="0" dirty="0" smtClean="0">
+                <a:ln>
+                  <a:noFill/>
+                </a:ln>
+                <a:solidFill>
+                  <a:schemeClr val="tx2"/>
+                </a:solidFill>
+                <a:effectLst/>
+                <a:uLnTx/>
+                <a:uFillTx/>
+                <a:latin typeface="+mj-lt"/>
+                <a:ea typeface="+mj-ea"/>
+                <a:cs typeface="+mj-cs"/>
+              </a:rPr>
+              <a:t> code will be auto generated And Printed to the invoice so that the user can verify the payment</a:t>
+            </a:r>
+            <a:endParaRPr kumimoji="0" lang="en-US" sz="3200" b="0" i="0" u="none" strike="noStrike" kern="1200" cap="none" spc="0" normalizeH="0" baseline="0" noProof="0" dirty="0">
+              <a:ln>
+                <a:noFill/>
+              </a:ln>
+              <a:solidFill>
+                <a:schemeClr val="tx2"/>
+              </a:solidFill>
+              <a:effectLst/>
+              <a:uLnTx/>
+              <a:uFillTx/>
+              <a:latin typeface="+mj-lt"/>
+              <a:ea typeface="+mj-ea"/>
+              <a:cs typeface="+mj-cs"/>
+            </a:endParaRPr>
           </a:p>
         </p:txBody>
       </p:sp>
       <p:pic>
         <p:nvPicPr>
-          <p:cNvPr id="1026" name="Picture 2" descr="C:\Users\Dhrubo\Pictures\Screenshots\Screenshot (46).png"/>
+          <p:cNvPr id="3074" name="Picture 2" descr="C:\Users\Dhrubo\Pictures\Screenshots\Screenshot (59).png"/>
           <p:cNvPicPr>
             <a:picLocks noChangeAspect="1" noChangeArrowheads="1"/>
           </p:cNvPicPr>
@@ -4694,15 +4853,15 @@
         </p:nvPicPr>
         <p:blipFill>
           <a:blip r:embed="rId2"/>
-          <a:srcRect/>
+          <a:srcRect l="18875"/>
           <a:stretch>
             <a:fillRect/>
           </a:stretch>
         </p:blipFill>
         <p:spPr bwMode="auto">
           <a:xfrm>
-            <a:off x="381000" y="1524000"/>
-            <a:ext cx="8267501" cy="4648200"/>
+            <a:off x="2286000" y="1295400"/>
+            <a:ext cx="4257675" cy="3886200"/>
           </a:xfrm>
           <a:prstGeom prst="rect">
             <a:avLst/>
@@ -4715,9 +4874,6 @@
   <p:clrMapOvr>
     <a:masterClrMapping/>
   </p:clrMapOvr>
-  <p:transition spd="med">
-    <p:diamond/>
-  </p:transition>
   <p:timing>
     <p:tnLst>
       <p:par>
@@ -4755,58 +4911,30 @@
             <p:ph type="title"/>
           </p:nvPr>
         </p:nvSpPr>
-        <p:spPr/>
-        <p:txBody>
-          <a:bodyPr>
-            <a:normAutofit/>
-          </a:bodyPr>
-          <a:lstStyle/>
-          <a:p>
-            <a:pPr lvl="0">
-              <a:defRPr/>
-            </a:pPr>
+        <p:spPr>
+          <a:xfrm>
+            <a:off x="533400" y="2667000"/>
+            <a:ext cx="8229600" cy="914400"/>
+          </a:xfrm>
+        </p:spPr>
+        <p:txBody>
+          <a:bodyPr/>
+          <a:lstStyle/>
+          <a:p>
+            <a:pPr algn="ctr"/>
             <a:r>
               <a:rPr lang="en-US" dirty="0" smtClean="0"/>
-              <a:t>Profile Page</a:t>
+              <a:t>User Dashboard Overview</a:t>
             </a:r>
             <a:endParaRPr lang="en-US" dirty="0"/>
           </a:p>
         </p:txBody>
       </p:sp>
-      <p:pic>
-        <p:nvPicPr>
-          <p:cNvPr id="10242" name="Picture 2" descr="C:\Users\Dhrubo\Pictures\Screenshots\Screenshot (55).png"/>
-          <p:cNvPicPr>
-            <a:picLocks noChangeAspect="1" noChangeArrowheads="1"/>
-          </p:cNvPicPr>
-          <p:nvPr/>
-        </p:nvPicPr>
-        <p:blipFill>
-          <a:blip r:embed="rId2"/>
-          <a:srcRect/>
-          <a:stretch>
-            <a:fillRect/>
-          </a:stretch>
-        </p:blipFill>
-        <p:spPr bwMode="auto">
-          <a:xfrm>
-            <a:off x="685800" y="1371600"/>
-            <a:ext cx="7772400" cy="3886200"/>
-          </a:xfrm>
-          <a:prstGeom prst="rect">
-            <a:avLst/>
-          </a:prstGeom>
-          <a:noFill/>
-        </p:spPr>
-      </p:pic>
     </p:spTree>
   </p:cSld>
   <p:clrMapOvr>
     <a:masterClrMapping/>
   </p:clrMapOvr>
-  <p:transition spd="med">
-    <p:wheel spokes="3"/>
-  </p:transition>
   <p:timing>
     <p:tnLst>
       <p:par>
@@ -4846,116 +4974,20 @@
         </p:nvSpPr>
         <p:spPr/>
         <p:txBody>
-          <a:bodyPr>
-            <a:normAutofit/>
-          </a:bodyPr>
-          <a:lstStyle/>
-          <a:p>
-            <a:pPr lvl="0">
-              <a:defRPr/>
-            </a:pPr>
+          <a:bodyPr/>
+          <a:lstStyle/>
+          <a:p>
             <a:r>
               <a:rPr lang="en-US" dirty="0" smtClean="0"/>
-              <a:t>User Analytics</a:t>
+              <a:t>Login Panel</a:t>
             </a:r>
             <a:endParaRPr lang="en-US" dirty="0"/>
-          </a:p>
-        </p:txBody>
-      </p:sp>
-      <p:sp>
-        <p:nvSpPr>
-          <p:cNvPr id="5" name="Title 1"/>
-          <p:cNvSpPr txBox="1">
-            <a:spLocks/>
-          </p:cNvSpPr>
-          <p:nvPr/>
-        </p:nvSpPr>
-        <p:spPr>
-          <a:xfrm>
-            <a:off x="457200" y="5257800"/>
-            <a:ext cx="8229600" cy="914400"/>
-          </a:xfrm>
-          <a:prstGeom prst="rect">
-            <a:avLst/>
-          </a:prstGeom>
-        </p:spPr>
-        <p:txBody>
-          <a:bodyPr vert="horz" anchor="b" anchorCtr="0">
-            <a:normAutofit fontScale="92500" lnSpcReduction="10000"/>
-          </a:bodyPr>
-          <a:lstStyle/>
-          <a:p>
-            <a:pPr marL="0" marR="0" lvl="0" indent="0" algn="l" defTabSz="914400" rtl="0" eaLnBrk="1" fontAlgn="auto" latinLnBrk="0" hangingPunct="1">
-              <a:lnSpc>
-                <a:spcPct val="100000"/>
-              </a:lnSpc>
-              <a:spcBef>
-                <a:spcPct val="0"/>
-              </a:spcBef>
-              <a:spcAft>
-                <a:spcPts val="0"/>
-              </a:spcAft>
-              <a:buClrTx/>
-              <a:buSzTx/>
-              <a:buFontTx/>
-              <a:buNone/>
-              <a:tabLst/>
-              <a:defRPr/>
-            </a:pPr>
-            <a:r>
-              <a:rPr kumimoji="0" lang="en-US" sz="3200" b="0" i="0" u="none" strike="noStrike" kern="1200" cap="none" spc="0" normalizeH="0" baseline="0" noProof="0" dirty="0" smtClean="0">
-                <a:ln>
-                  <a:noFill/>
-                </a:ln>
-                <a:solidFill>
-                  <a:schemeClr val="tx2"/>
-                </a:solidFill>
-                <a:effectLst/>
-                <a:uLnTx/>
-                <a:uFillTx/>
-                <a:latin typeface="+mj-lt"/>
-                <a:ea typeface="+mj-ea"/>
-                <a:cs typeface="+mj-cs"/>
-              </a:rPr>
-              <a:t>This</a:t>
-            </a:r>
-            <a:r>
-              <a:rPr kumimoji="0" lang="en-US" sz="3200" b="0" i="0" u="none" strike="noStrike" kern="1200" cap="none" spc="0" normalizeH="0" noProof="0" dirty="0" smtClean="0">
-                <a:ln>
-                  <a:noFill/>
-                </a:ln>
-                <a:solidFill>
-                  <a:schemeClr val="tx2"/>
-                </a:solidFill>
-                <a:effectLst/>
-                <a:uLnTx/>
-                <a:uFillTx/>
-                <a:latin typeface="+mj-lt"/>
-                <a:ea typeface="+mj-ea"/>
-                <a:cs typeface="+mj-cs"/>
-              </a:rPr>
-              <a:t> page will contain The analytics of the user</a:t>
-            </a:r>
-            <a:endParaRPr kumimoji="0" lang="en-US" sz="3200" b="0" i="0" u="none" strike="noStrike" kern="1200" cap="none" spc="0" normalizeH="0" baseline="0" noProof="0" dirty="0">
-              <a:ln>
-                <a:noFill/>
-              </a:ln>
-              <a:solidFill>
-                <a:schemeClr val="tx2"/>
-              </a:solidFill>
-              <a:effectLst/>
-              <a:uLnTx/>
-              <a:uFillTx/>
-              <a:latin typeface="+mj-lt"/>
-              <a:ea typeface="+mj-ea"/>
-              <a:cs typeface="+mj-cs"/>
-            </a:endParaRPr>
           </a:p>
         </p:txBody>
       </p:sp>
       <p:pic>
         <p:nvPicPr>
-          <p:cNvPr id="9218" name="Picture 2" descr="C:\Users\Dhrubo\Pictures\Screenshots\Screenshot (54).png"/>
+          <p:cNvPr id="1026" name="Picture 2" descr="C:\Users\Dhrubo\Pictures\Screenshots\Screenshot (46).png"/>
           <p:cNvPicPr>
             <a:picLocks noChangeAspect="1" noChangeArrowheads="1"/>
           </p:cNvPicPr>
@@ -4963,15 +4995,15 @@
         </p:nvPicPr>
         <p:blipFill>
           <a:blip r:embed="rId2"/>
-          <a:srcRect t="8197" b="32787"/>
+          <a:srcRect/>
           <a:stretch>
             <a:fillRect/>
           </a:stretch>
         </p:blipFill>
         <p:spPr bwMode="auto">
           <a:xfrm>
-            <a:off x="685800" y="1524000"/>
-            <a:ext cx="7589838" cy="3505200"/>
+            <a:off x="381000" y="1524000"/>
+            <a:ext cx="8267501" cy="4648200"/>
           </a:xfrm>
           <a:prstGeom prst="rect">
             <a:avLst/>
@@ -4984,8 +5016,8 @@
   <p:clrMapOvr>
     <a:masterClrMapping/>
   </p:clrMapOvr>
-  <p:transition spd="slow">
-    <p:strips dir="ld"/>
+  <p:transition spd="med">
+    <p:diamond/>
   </p:transition>
   <p:timing>
     <p:tnLst>
@@ -5036,106 +5068,15 @@
             </a:pPr>
             <a:r>
               <a:rPr lang="en-US" dirty="0" smtClean="0"/>
-              <a:t>User Analytics</a:t>
+              <a:t>Profile Page</a:t>
             </a:r>
             <a:endParaRPr lang="en-US" dirty="0"/>
-          </a:p>
-        </p:txBody>
-      </p:sp>
-      <p:sp>
-        <p:nvSpPr>
-          <p:cNvPr id="5" name="Title 1"/>
-          <p:cNvSpPr txBox="1">
-            <a:spLocks/>
-          </p:cNvSpPr>
-          <p:nvPr/>
-        </p:nvSpPr>
-        <p:spPr>
-          <a:xfrm>
-            <a:off x="457200" y="5257800"/>
-            <a:ext cx="8229600" cy="914400"/>
-          </a:xfrm>
-          <a:prstGeom prst="rect">
-            <a:avLst/>
-          </a:prstGeom>
-        </p:spPr>
-        <p:txBody>
-          <a:bodyPr vert="horz" anchor="b" anchorCtr="0">
-            <a:normAutofit fontScale="92500" lnSpcReduction="10000"/>
-          </a:bodyPr>
-          <a:lstStyle/>
-          <a:p>
-            <a:pPr marL="0" marR="0" lvl="0" indent="0" algn="l" defTabSz="914400" rtl="0" eaLnBrk="1" fontAlgn="auto" latinLnBrk="0" hangingPunct="1">
-              <a:lnSpc>
-                <a:spcPct val="100000"/>
-              </a:lnSpc>
-              <a:spcBef>
-                <a:spcPct val="0"/>
-              </a:spcBef>
-              <a:spcAft>
-                <a:spcPts val="0"/>
-              </a:spcAft>
-              <a:buClrTx/>
-              <a:buSzTx/>
-              <a:buFontTx/>
-              <a:buNone/>
-              <a:tabLst/>
-              <a:defRPr/>
-            </a:pPr>
-            <a:r>
-              <a:rPr kumimoji="0" lang="en-US" sz="3200" b="0" i="0" u="none" strike="noStrike" kern="1200" cap="none" spc="0" normalizeH="0" baseline="0" noProof="0" dirty="0" smtClean="0">
-                <a:ln>
-                  <a:noFill/>
-                </a:ln>
-                <a:solidFill>
-                  <a:schemeClr val="tx2"/>
-                </a:solidFill>
-                <a:effectLst/>
-                <a:uLnTx/>
-                <a:uFillTx/>
-                <a:latin typeface="+mj-lt"/>
-                <a:ea typeface="+mj-ea"/>
-                <a:cs typeface="+mj-cs"/>
-              </a:rPr>
-              <a:t>This</a:t>
-            </a:r>
-            <a:r>
-              <a:rPr kumimoji="0" lang="en-US" sz="3200" b="0" i="0" u="none" strike="noStrike" kern="1200" cap="none" spc="0" normalizeH="0" noProof="0" dirty="0" smtClean="0">
-                <a:ln>
-                  <a:noFill/>
-                </a:ln>
-                <a:solidFill>
-                  <a:schemeClr val="tx2"/>
-                </a:solidFill>
-                <a:effectLst/>
-                <a:uLnTx/>
-                <a:uFillTx/>
-                <a:latin typeface="+mj-lt"/>
-                <a:ea typeface="+mj-ea"/>
-                <a:cs typeface="+mj-cs"/>
-              </a:rPr>
-              <a:t> page will contain The analytics of the user</a:t>
-            </a:r>
-            <a:endParaRPr kumimoji="0" lang="en-US" sz="3200" b="0" i="0" u="none" strike="noStrike" kern="1200" cap="none" spc="0" normalizeH="0" baseline="0" noProof="0" dirty="0">
-              <a:ln>
-                <a:noFill/>
-              </a:ln>
-              <a:solidFill>
-                <a:schemeClr val="tx2"/>
-              </a:solidFill>
-              <a:effectLst/>
-              <a:uLnTx/>
-              <a:uFillTx/>
-              <a:latin typeface="+mj-lt"/>
-              <a:ea typeface="+mj-ea"/>
-              <a:cs typeface="+mj-cs"/>
-            </a:endParaRPr>
           </a:p>
         </p:txBody>
       </p:sp>
       <p:pic>
         <p:nvPicPr>
-          <p:cNvPr id="1026" name="Picture 2" descr="C:\Users\Dhrubo\Pictures\Screenshots\Screenshot (57).png"/>
+          <p:cNvPr id="10242" name="Picture 2" descr="C:\Users\Dhrubo\Pictures\Screenshots\Screenshot (55).png"/>
           <p:cNvPicPr>
             <a:picLocks noChangeAspect="1" noChangeArrowheads="1"/>
           </p:cNvPicPr>
@@ -5150,34 +5091,8 @@
         </p:blipFill>
         <p:spPr bwMode="auto">
           <a:xfrm>
-            <a:off x="476250" y="1295400"/>
-            <a:ext cx="7829550" cy="1653663"/>
-          </a:xfrm>
-          <a:prstGeom prst="rect">
-            <a:avLst/>
-          </a:prstGeom>
-          <a:noFill/>
-        </p:spPr>
-      </p:pic>
-      <p:pic>
-        <p:nvPicPr>
-          <p:cNvPr id="1027" name="Picture 3" descr="C:\Users\Dhrubo\Pictures\Screenshots\Screenshot (56).png"/>
-          <p:cNvPicPr>
-            <a:picLocks noChangeAspect="1" noChangeArrowheads="1"/>
-          </p:cNvPicPr>
-          <p:nvPr/>
-        </p:nvPicPr>
-        <p:blipFill>
-          <a:blip r:embed="rId3"/>
-          <a:srcRect/>
-          <a:stretch>
-            <a:fillRect/>
-          </a:stretch>
-        </p:blipFill>
-        <p:spPr bwMode="auto">
-          <a:xfrm>
-            <a:off x="457200" y="3276600"/>
-            <a:ext cx="8077200" cy="1698511"/>
+            <a:off x="685800" y="1371600"/>
+            <a:ext cx="7772400" cy="3886200"/>
           </a:xfrm>
           <a:prstGeom prst="rect">
             <a:avLst/>
@@ -5190,8 +5105,8 @@
   <p:clrMapOvr>
     <a:masterClrMapping/>
   </p:clrMapOvr>
-  <p:transition spd="slow">
-    <p:strips dir="ld"/>
+  <p:transition spd="med">
+    <p:wheel spokes="3"/>
   </p:transition>
   <p:timing>
     <p:tnLst>
@@ -5242,7 +5157,7 @@
             </a:pPr>
             <a:r>
               <a:rPr lang="en-US" dirty="0" smtClean="0"/>
-              <a:t>Meal On off Request</a:t>
+              <a:t>User Analytics</a:t>
             </a:r>
             <a:endParaRPr lang="en-US" dirty="0"/>
           </a:p>
@@ -5267,7 +5182,7 @@
         </p:spPr>
         <p:txBody>
           <a:bodyPr vert="horz" anchor="b" anchorCtr="0">
-            <a:normAutofit fontScale="85000" lnSpcReduction="10000"/>
+            <a:normAutofit fontScale="92500" lnSpcReduction="10000"/>
           </a:bodyPr>
           <a:lstStyle/>
           <a:p>
@@ -5320,7 +5235,7 @@
                 <a:ea typeface="+mj-ea"/>
                 <a:cs typeface="+mj-cs"/>
               </a:rPr>
-              <a:t> page will show the meal on off requests that are requested by the users(Students).</a:t>
+              <a:t> page will contain The analytics of the user</a:t>
             </a:r>
             <a:endParaRPr kumimoji="0" lang="en-US" sz="3200" b="0" i="0" u="none" strike="noStrike" kern="1200" cap="none" spc="0" normalizeH="0" baseline="0" noProof="0" dirty="0">
               <a:ln>
@@ -5341,7 +5256,7 @@
       </p:sp>
       <p:pic>
         <p:nvPicPr>
-          <p:cNvPr id="8194" name="Picture 2" descr="C:\Users\Dhrubo\Pictures\Screenshots\Screenshot (52).png"/>
+          <p:cNvPr id="9218" name="Picture 2" descr="C:\Users\Dhrubo\Pictures\Screenshots\Screenshot (54).png"/>
           <p:cNvPicPr>
             <a:picLocks noChangeAspect="1" noChangeArrowheads="1"/>
           </p:cNvPicPr>
@@ -5349,15 +5264,15 @@
         </p:nvPicPr>
         <p:blipFill>
           <a:blip r:embed="rId2"/>
-          <a:srcRect/>
+          <a:srcRect t="8197" b="32787"/>
           <a:stretch>
             <a:fillRect/>
           </a:stretch>
         </p:blipFill>
         <p:spPr bwMode="auto">
           <a:xfrm>
-            <a:off x="533400" y="1295400"/>
-            <a:ext cx="8077200" cy="3609975"/>
+            <a:off x="685800" y="1524000"/>
+            <a:ext cx="7589838" cy="3505200"/>
           </a:xfrm>
           <a:prstGeom prst="rect">
             <a:avLst/>
@@ -5370,8 +5285,8 @@
   <p:clrMapOvr>
     <a:masterClrMapping/>
   </p:clrMapOvr>
-  <p:transition spd="med">
-    <p:pull dir="d"/>
+  <p:transition spd="slow">
+    <p:strips dir="ld"/>
   </p:transition>
   <p:timing>
     <p:tnLst>
@@ -5603,11 +5518,7 @@
             </a:pPr>
             <a:r>
               <a:rPr lang="en-US" dirty="0" smtClean="0"/>
-              <a:t>Meal On </a:t>
-            </a:r>
-            <a:r>
-              <a:rPr lang="en-US" smtClean="0"/>
-              <a:t>off Analytics</a:t>
+              <a:t>User Analytics</a:t>
             </a:r>
             <a:endParaRPr lang="en-US" dirty="0"/>
           </a:p>
@@ -5685,7 +5596,7 @@
                 <a:ea typeface="+mj-ea"/>
                 <a:cs typeface="+mj-cs"/>
               </a:rPr>
-              <a:t> page will contain The analytics of all the meal chart</a:t>
+              <a:t> page will contain The analytics of the user</a:t>
             </a:r>
             <a:endParaRPr kumimoji="0" lang="en-US" sz="3200" b="0" i="0" u="none" strike="noStrike" kern="1200" cap="none" spc="0" normalizeH="0" baseline="0" noProof="0" dirty="0">
               <a:ln>
@@ -5706,7 +5617,7 @@
       </p:sp>
       <p:pic>
         <p:nvPicPr>
-          <p:cNvPr id="8195" name="Picture 3" descr="C:\Users\Dhrubo\Pictures\Screenshots\Screenshot (53).png"/>
+          <p:cNvPr id="1026" name="Picture 2" descr="C:\Users\Dhrubo\Pictures\Screenshots\Screenshot (57).png"/>
           <p:cNvPicPr>
             <a:picLocks noChangeAspect="1" noChangeArrowheads="1"/>
           </p:cNvPicPr>
@@ -5721,8 +5632,34 @@
         </p:blipFill>
         <p:spPr bwMode="auto">
           <a:xfrm>
-            <a:off x="457200" y="1295400"/>
-            <a:ext cx="8382000" cy="3838575"/>
+            <a:off x="476250" y="1295400"/>
+            <a:ext cx="7829550" cy="1653663"/>
+          </a:xfrm>
+          <a:prstGeom prst="rect">
+            <a:avLst/>
+          </a:prstGeom>
+          <a:noFill/>
+        </p:spPr>
+      </p:pic>
+      <p:pic>
+        <p:nvPicPr>
+          <p:cNvPr id="1027" name="Picture 3" descr="C:\Users\Dhrubo\Pictures\Screenshots\Screenshot (56).png"/>
+          <p:cNvPicPr>
+            <a:picLocks noChangeAspect="1" noChangeArrowheads="1"/>
+          </p:cNvPicPr>
+          <p:nvPr/>
+        </p:nvPicPr>
+        <p:blipFill>
+          <a:blip r:embed="rId3"/>
+          <a:srcRect/>
+          <a:stretch>
+            <a:fillRect/>
+          </a:stretch>
+        </p:blipFill>
+        <p:spPr bwMode="auto">
+          <a:xfrm>
+            <a:off x="457200" y="3276600"/>
+            <a:ext cx="8077200" cy="1698511"/>
           </a:xfrm>
           <a:prstGeom prst="rect">
             <a:avLst/>
@@ -5735,6 +5672,9 @@
   <p:clrMapOvr>
     <a:masterClrMapping/>
   </p:clrMapOvr>
+  <p:transition spd="slow">
+    <p:strips dir="ld"/>
+  </p:transition>
   <p:timing>
     <p:tnLst>
       <p:par>
@@ -5769,7 +5709,7 @@
             <a:spLocks noGrp="1"/>
           </p:cNvSpPr>
           <p:nvPr>
-            <p:ph type="ctrTitle"/>
+            <p:ph type="title"/>
           </p:nvPr>
         </p:nvSpPr>
         <p:spPr/>
@@ -5779,10 +5719,12 @@
           </a:bodyPr>
           <a:lstStyle/>
           <a:p>
-            <a:pPr algn="ctr"/>
+            <a:pPr lvl="0">
+              <a:defRPr/>
+            </a:pPr>
             <a:r>
               <a:rPr lang="en-US" dirty="0" smtClean="0"/>
-              <a:t>Thank You</a:t>
+              <a:t>Meal On off Request</a:t>
             </a:r>
             <a:endParaRPr lang="en-US" dirty="0"/>
           </a:p>
@@ -5790,23 +5732,397 @@
       </p:sp>
       <p:sp>
         <p:nvSpPr>
-          <p:cNvPr id="3" name="Subtitle 2"/>
-          <p:cNvSpPr>
-            <a:spLocks noGrp="1"/>
-          </p:cNvSpPr>
-          <p:nvPr>
-            <p:ph type="subTitle" idx="1"/>
+          <p:cNvPr id="5" name="Title 1"/>
+          <p:cNvSpPr txBox="1">
+            <a:spLocks/>
+          </p:cNvSpPr>
+          <p:nvPr/>
+        </p:nvSpPr>
+        <p:spPr>
+          <a:xfrm>
+            <a:off x="457200" y="5257800"/>
+            <a:ext cx="8229600" cy="914400"/>
+          </a:xfrm>
+          <a:prstGeom prst="rect">
+            <a:avLst/>
+          </a:prstGeom>
+        </p:spPr>
+        <p:txBody>
+          <a:bodyPr vert="horz" anchor="b" anchorCtr="0">
+            <a:normAutofit fontScale="85000" lnSpcReduction="10000"/>
+          </a:bodyPr>
+          <a:lstStyle/>
+          <a:p>
+            <a:pPr marL="0" marR="0" lvl="0" indent="0" algn="l" defTabSz="914400" rtl="0" eaLnBrk="1" fontAlgn="auto" latinLnBrk="0" hangingPunct="1">
+              <a:lnSpc>
+                <a:spcPct val="100000"/>
+              </a:lnSpc>
+              <a:spcBef>
+                <a:spcPct val="0"/>
+              </a:spcBef>
+              <a:spcAft>
+                <a:spcPts val="0"/>
+              </a:spcAft>
+              <a:buClrTx/>
+              <a:buSzTx/>
+              <a:buFontTx/>
+              <a:buNone/>
+              <a:tabLst/>
+              <a:defRPr/>
+            </a:pPr>
+            <a:r>
+              <a:rPr kumimoji="0" lang="en-US" sz="3200" b="0" i="0" u="none" strike="noStrike" kern="1200" cap="none" spc="0" normalizeH="0" baseline="0" noProof="0" dirty="0" smtClean="0">
+                <a:ln>
+                  <a:noFill/>
+                </a:ln>
+                <a:solidFill>
+                  <a:schemeClr val="tx2"/>
+                </a:solidFill>
+                <a:effectLst/>
+                <a:uLnTx/>
+                <a:uFillTx/>
+                <a:latin typeface="+mj-lt"/>
+                <a:ea typeface="+mj-ea"/>
+                <a:cs typeface="+mj-cs"/>
+              </a:rPr>
+              <a:t>This</a:t>
+            </a:r>
+            <a:r>
+              <a:rPr kumimoji="0" lang="en-US" sz="3200" b="0" i="0" u="none" strike="noStrike" kern="1200" cap="none" spc="0" normalizeH="0" noProof="0" dirty="0" smtClean="0">
+                <a:ln>
+                  <a:noFill/>
+                </a:ln>
+                <a:solidFill>
+                  <a:schemeClr val="tx2"/>
+                </a:solidFill>
+                <a:effectLst/>
+                <a:uLnTx/>
+                <a:uFillTx/>
+                <a:latin typeface="+mj-lt"/>
+                <a:ea typeface="+mj-ea"/>
+                <a:cs typeface="+mj-cs"/>
+              </a:rPr>
+              <a:t> page will show the meal on off requests that are requested by the users(Students).</a:t>
+            </a:r>
+            <a:endParaRPr kumimoji="0" lang="en-US" sz="3200" b="0" i="0" u="none" strike="noStrike" kern="1200" cap="none" spc="0" normalizeH="0" baseline="0" noProof="0" dirty="0">
+              <a:ln>
+                <a:noFill/>
+              </a:ln>
+              <a:solidFill>
+                <a:schemeClr val="tx2"/>
+              </a:solidFill>
+              <a:effectLst/>
+              <a:uLnTx/>
+              <a:uFillTx/>
+              <a:latin typeface="+mj-lt"/>
+              <a:ea typeface="+mj-ea"/>
+              <a:cs typeface="+mj-cs"/>
+            </a:endParaRPr>
+          </a:p>
+        </p:txBody>
+      </p:sp>
+      <p:pic>
+        <p:nvPicPr>
+          <p:cNvPr id="8194" name="Picture 2" descr="C:\Users\Dhrubo\Pictures\Screenshots\Screenshot (52).png"/>
+          <p:cNvPicPr>
+            <a:picLocks noChangeAspect="1" noChangeArrowheads="1"/>
+          </p:cNvPicPr>
+          <p:nvPr/>
+        </p:nvPicPr>
+        <p:blipFill>
+          <a:blip r:embed="rId2"/>
+          <a:srcRect/>
+          <a:stretch>
+            <a:fillRect/>
+          </a:stretch>
+        </p:blipFill>
+        <p:spPr bwMode="auto">
+          <a:xfrm>
+            <a:off x="533400" y="1295400"/>
+            <a:ext cx="8077200" cy="3609975"/>
+          </a:xfrm>
+          <a:prstGeom prst="rect">
+            <a:avLst/>
+          </a:prstGeom>
+          <a:noFill/>
+        </p:spPr>
+      </p:pic>
+    </p:spTree>
+  </p:cSld>
+  <p:clrMapOvr>
+    <a:masterClrMapping/>
+  </p:clrMapOvr>
+  <p:transition spd="med">
+    <p:pull dir="d"/>
+  </p:transition>
+  <p:timing>
+    <p:tnLst>
+      <p:par>
+        <p:cTn id="1" dur="indefinite" restart="never" nodeType="tmRoot"/>
+      </p:par>
+    </p:tnLst>
+  </p:timing>
+</p:sld>
+</file>
+
+<file path=ppt/slides/slide22.xml><?xml version="1.0" encoding="utf-8"?>
+<p:sld xmlns:a="http://schemas.openxmlformats.org/drawingml/2006/main" xmlns:r="http://schemas.openxmlformats.org/officeDocument/2006/relationships" xmlns:p="http://schemas.openxmlformats.org/presentationml/2006/main">
+  <p:cSld>
+    <p:spTree>
+      <p:nvGrpSpPr>
+        <p:cNvPr id="1" name=""/>
+        <p:cNvGrpSpPr/>
+        <p:nvPr/>
+      </p:nvGrpSpPr>
+      <p:grpSpPr>
+        <a:xfrm>
+          <a:off x="0" y="0"/>
+          <a:ext cx="0" cy="0"/>
+          <a:chOff x="0" y="0"/>
+          <a:chExt cx="0" cy="0"/>
+        </a:xfrm>
+      </p:grpSpPr>
+      <p:sp>
+        <p:nvSpPr>
+          <p:cNvPr id="2" name="Title 1"/>
+          <p:cNvSpPr>
+            <a:spLocks noGrp="1"/>
+          </p:cNvSpPr>
+          <p:nvPr>
+            <p:ph type="title"/>
           </p:nvPr>
         </p:nvSpPr>
         <p:spPr/>
         <p:txBody>
-          <a:bodyPr/>
+          <a:bodyPr>
+            <a:normAutofit/>
+          </a:bodyPr>
+          <a:lstStyle/>
+          <a:p>
+            <a:pPr lvl="0">
+              <a:defRPr/>
+            </a:pPr>
+            <a:r>
+              <a:rPr lang="en-US" dirty="0" smtClean="0"/>
+              <a:t>Meal On </a:t>
+            </a:r>
+            <a:r>
+              <a:rPr lang="en-US" smtClean="0"/>
+              <a:t>off Analytics</a:t>
+            </a:r>
+            <a:endParaRPr lang="en-US" dirty="0"/>
+          </a:p>
+        </p:txBody>
+      </p:sp>
+      <p:sp>
+        <p:nvSpPr>
+          <p:cNvPr id="5" name="Title 1"/>
+          <p:cNvSpPr txBox="1">
+            <a:spLocks/>
+          </p:cNvSpPr>
+          <p:nvPr/>
+        </p:nvSpPr>
+        <p:spPr>
+          <a:xfrm>
+            <a:off x="457200" y="5257800"/>
+            <a:ext cx="8229600" cy="914400"/>
+          </a:xfrm>
+          <a:prstGeom prst="rect">
+            <a:avLst/>
+          </a:prstGeom>
+        </p:spPr>
+        <p:txBody>
+          <a:bodyPr vert="horz" anchor="b" anchorCtr="0">
+            <a:normAutofit fontScale="92500" lnSpcReduction="10000"/>
+          </a:bodyPr>
+          <a:lstStyle/>
+          <a:p>
+            <a:pPr marL="0" marR="0" lvl="0" indent="0" algn="l" defTabSz="914400" rtl="0" eaLnBrk="1" fontAlgn="auto" latinLnBrk="0" hangingPunct="1">
+              <a:lnSpc>
+                <a:spcPct val="100000"/>
+              </a:lnSpc>
+              <a:spcBef>
+                <a:spcPct val="0"/>
+              </a:spcBef>
+              <a:spcAft>
+                <a:spcPts val="0"/>
+              </a:spcAft>
+              <a:buClrTx/>
+              <a:buSzTx/>
+              <a:buFontTx/>
+              <a:buNone/>
+              <a:tabLst/>
+              <a:defRPr/>
+            </a:pPr>
+            <a:r>
+              <a:rPr kumimoji="0" lang="en-US" sz="3200" b="0" i="0" u="none" strike="noStrike" kern="1200" cap="none" spc="0" normalizeH="0" baseline="0" noProof="0" dirty="0" smtClean="0">
+                <a:ln>
+                  <a:noFill/>
+                </a:ln>
+                <a:solidFill>
+                  <a:schemeClr val="tx2"/>
+                </a:solidFill>
+                <a:effectLst/>
+                <a:uLnTx/>
+                <a:uFillTx/>
+                <a:latin typeface="+mj-lt"/>
+                <a:ea typeface="+mj-ea"/>
+                <a:cs typeface="+mj-cs"/>
+              </a:rPr>
+              <a:t>This</a:t>
+            </a:r>
+            <a:r>
+              <a:rPr kumimoji="0" lang="en-US" sz="3200" b="0" i="0" u="none" strike="noStrike" kern="1200" cap="none" spc="0" normalizeH="0" noProof="0" dirty="0" smtClean="0">
+                <a:ln>
+                  <a:noFill/>
+                </a:ln>
+                <a:solidFill>
+                  <a:schemeClr val="tx2"/>
+                </a:solidFill>
+                <a:effectLst/>
+                <a:uLnTx/>
+                <a:uFillTx/>
+                <a:latin typeface="+mj-lt"/>
+                <a:ea typeface="+mj-ea"/>
+                <a:cs typeface="+mj-cs"/>
+              </a:rPr>
+              <a:t> page will contain The analytics of all the meal chart</a:t>
+            </a:r>
+            <a:endParaRPr kumimoji="0" lang="en-US" sz="3200" b="0" i="0" u="none" strike="noStrike" kern="1200" cap="none" spc="0" normalizeH="0" baseline="0" noProof="0" dirty="0">
+              <a:ln>
+                <a:noFill/>
+              </a:ln>
+              <a:solidFill>
+                <a:schemeClr val="tx2"/>
+              </a:solidFill>
+              <a:effectLst/>
+              <a:uLnTx/>
+              <a:uFillTx/>
+              <a:latin typeface="+mj-lt"/>
+              <a:ea typeface="+mj-ea"/>
+              <a:cs typeface="+mj-cs"/>
+            </a:endParaRPr>
+          </a:p>
+        </p:txBody>
+      </p:sp>
+      <p:pic>
+        <p:nvPicPr>
+          <p:cNvPr id="8195" name="Picture 3" descr="C:\Users\Dhrubo\Pictures\Screenshots\Screenshot (53).png"/>
+          <p:cNvPicPr>
+            <a:picLocks noChangeAspect="1" noChangeArrowheads="1"/>
+          </p:cNvPicPr>
+          <p:nvPr/>
+        </p:nvPicPr>
+        <p:blipFill>
+          <a:blip r:embed="rId2"/>
+          <a:srcRect/>
+          <a:stretch>
+            <a:fillRect/>
+          </a:stretch>
+        </p:blipFill>
+        <p:spPr bwMode="auto">
+          <a:xfrm>
+            <a:off x="457200" y="1266825"/>
+            <a:ext cx="8382000" cy="3838575"/>
+          </a:xfrm>
+          <a:prstGeom prst="rect">
+            <a:avLst/>
+          </a:prstGeom>
+          <a:noFill/>
+        </p:spPr>
+      </p:pic>
+    </p:spTree>
+  </p:cSld>
+  <p:clrMapOvr>
+    <a:masterClrMapping/>
+  </p:clrMapOvr>
+  <p:timing>
+    <p:tnLst>
+      <p:par>
+        <p:cTn id="1" dur="indefinite" restart="never" nodeType="tmRoot"/>
+      </p:par>
+    </p:tnLst>
+  </p:timing>
+</p:sld>
+</file>
+
+<file path=ppt/slides/slide23.xml><?xml version="1.0" encoding="utf-8"?>
+<p:sld xmlns:a="http://schemas.openxmlformats.org/drawingml/2006/main" xmlns:r="http://schemas.openxmlformats.org/officeDocument/2006/relationships" xmlns:p="http://schemas.openxmlformats.org/presentationml/2006/main">
+  <p:cSld>
+    <p:spTree>
+      <p:nvGrpSpPr>
+        <p:cNvPr id="1" name=""/>
+        <p:cNvGrpSpPr/>
+        <p:nvPr/>
+      </p:nvGrpSpPr>
+      <p:grpSpPr>
+        <a:xfrm>
+          <a:off x="0" y="0"/>
+          <a:ext cx="0" cy="0"/>
+          <a:chOff x="0" y="0"/>
+          <a:chExt cx="0" cy="0"/>
+        </a:xfrm>
+      </p:grpSpPr>
+      <p:sp>
+        <p:nvSpPr>
+          <p:cNvPr id="2" name="Title 1"/>
+          <p:cNvSpPr>
+            <a:spLocks noGrp="1"/>
+          </p:cNvSpPr>
+          <p:nvPr>
+            <p:ph type="ctrTitle"/>
+          </p:nvPr>
+        </p:nvSpPr>
+        <p:spPr/>
+        <p:txBody>
+          <a:bodyPr>
+            <a:normAutofit fontScale="90000"/>
+          </a:bodyPr>
           <a:lstStyle/>
           <a:p>
             <a:pPr algn="ctr"/>
             <a:r>
               <a:rPr lang="en-US" dirty="0" smtClean="0"/>
               <a:t>Let’s Dive into the software</a:t>
+            </a:r>
+            <a:br>
+              <a:rPr lang="en-US" dirty="0" smtClean="0"/>
+            </a:br>
+            <a:r>
+              <a:rPr lang="en-US" dirty="0" smtClean="0"/>
+              <a:t>	</a:t>
+            </a:r>
+            <a:endParaRPr lang="en-US" dirty="0"/>
+          </a:p>
+        </p:txBody>
+      </p:sp>
+      <p:sp>
+        <p:nvSpPr>
+          <p:cNvPr id="3" name="Subtitle 2"/>
+          <p:cNvSpPr>
+            <a:spLocks noGrp="1"/>
+          </p:cNvSpPr>
+          <p:nvPr>
+            <p:ph type="subTitle" idx="1"/>
+          </p:nvPr>
+        </p:nvSpPr>
+        <p:spPr/>
+        <p:txBody>
+          <a:bodyPr/>
+          <a:lstStyle/>
+          <a:p>
+            <a:pPr algn="ctr"/>
+            <a:r>
+              <a:rPr lang="en-US" dirty="0" smtClean="0"/>
+              <a:t>Thank </a:t>
+            </a:r>
+            <a:r>
+              <a:rPr lang="en-US" dirty="0" smtClean="0"/>
+              <a:t>You </a:t>
+            </a:r>
+            <a:r>
+              <a:rPr lang="en-US" smtClean="0"/>
+              <a:t>So Much</a:t>
             </a:r>
             <a:endParaRPr lang="en-US" dirty="0"/>
           </a:p>
